--- a/Presentation/Commercial Prototype Production.pptx
+++ b/Presentation/Commercial Prototype Production.pptx
@@ -9,6 +9,10 @@
     <p:sldId id="257" r:id="rId3"/>
     <p:sldId id="258" r:id="rId4"/>
     <p:sldId id="259" r:id="rId5"/>
+    <p:sldId id="260" r:id="rId6"/>
+    <p:sldId id="261" r:id="rId7"/>
+    <p:sldId id="262" r:id="rId8"/>
+    <p:sldId id="263" r:id="rId9"/>
   </p:sldIdLst>
   <p:sldSz cx="12192000" cy="6858000"/>
   <p:notesSz cx="6858000" cy="9144000"/>
@@ -3874,7 +3878,23 @@
           <a:bodyPr/>
           <a:lstStyle/>
           <a:p>
-            <a:endParaRPr lang="en-US"/>
+            <a:r>
+              <a:rPr lang="en-US" dirty="0"/>
+              <a:t>Maybe ss 17-4 </a:t>
+            </a:r>
+            <a:r>
+              <a:rPr lang="en-US" dirty="0" err="1"/>
+              <a:t>ph</a:t>
+            </a:r>
+            <a:r>
+              <a:rPr lang="en-US" dirty="0"/>
+              <a:t> from </a:t>
+            </a:r>
+            <a:r>
+              <a:rPr lang="en-US" dirty="0" err="1"/>
+              <a:t>protolabs</a:t>
+            </a:r>
+            <a:endParaRPr lang="en-US" dirty="0"/>
           </a:p>
         </p:txBody>
       </p:sp>
@@ -3882,6 +3902,1030 @@
     <p:extLst>
       <p:ext uri="{BB962C8B-B14F-4D97-AF65-F5344CB8AC3E}">
         <p14:creationId xmlns:p14="http://schemas.microsoft.com/office/powerpoint/2010/main" val="2477377723"/>
+      </p:ext>
+    </p:extLst>
+  </p:cSld>
+  <p:clrMapOvr>
+    <a:masterClrMapping/>
+  </p:clrMapOvr>
+</p:sld>
+</file>
+
+<file path=ppt/slides/slide5.xml><?xml version="1.0" encoding="utf-8"?>
+<p:sld xmlns:a="http://schemas.openxmlformats.org/drawingml/2006/main" xmlns:r="http://schemas.openxmlformats.org/officeDocument/2006/relationships" xmlns:p="http://schemas.openxmlformats.org/presentationml/2006/main">
+  <p:cSld>
+    <p:spTree>
+      <p:nvGrpSpPr>
+        <p:cNvPr id="1" name=""/>
+        <p:cNvGrpSpPr/>
+        <p:nvPr/>
+      </p:nvGrpSpPr>
+      <p:grpSpPr>
+        <a:xfrm>
+          <a:off x="0" y="0"/>
+          <a:ext cx="0" cy="0"/>
+          <a:chOff x="0" y="0"/>
+          <a:chExt cx="0" cy="0"/>
+        </a:xfrm>
+      </p:grpSpPr>
+      <p:sp>
+        <p:nvSpPr>
+          <p:cNvPr id="2" name="Title 1">
+            <a:extLst>
+              <a:ext uri="{FF2B5EF4-FFF2-40B4-BE49-F238E27FC236}">
+                <a16:creationId xmlns:a16="http://schemas.microsoft.com/office/drawing/2014/main" id="{94FFBD57-C781-50A1-C436-E387249153D2}"/>
+              </a:ext>
+            </a:extLst>
+          </p:cNvPr>
+          <p:cNvSpPr>
+            <a:spLocks noGrp="1"/>
+          </p:cNvSpPr>
+          <p:nvPr>
+            <p:ph type="title"/>
+          </p:nvPr>
+        </p:nvSpPr>
+        <p:spPr>
+          <a:xfrm>
+            <a:off x="838200" y="365126"/>
+            <a:ext cx="10515600" cy="669348"/>
+          </a:xfrm>
+        </p:spPr>
+        <p:txBody>
+          <a:bodyPr>
+            <a:normAutofit fontScale="90000"/>
+          </a:bodyPr>
+          <a:lstStyle/>
+          <a:p>
+            <a:r>
+              <a:rPr lang="en-US" dirty="0"/>
+              <a:t>Heart of Device: The Fluidic Sandwich</a:t>
+            </a:r>
+          </a:p>
+        </p:txBody>
+      </p:sp>
+      <p:sp>
+        <p:nvSpPr>
+          <p:cNvPr id="3" name="Content Placeholder 2">
+            <a:extLst>
+              <a:ext uri="{FF2B5EF4-FFF2-40B4-BE49-F238E27FC236}">
+                <a16:creationId xmlns:a16="http://schemas.microsoft.com/office/drawing/2014/main" id="{C03F177A-8793-8606-2FEB-1671269E8538}"/>
+              </a:ext>
+            </a:extLst>
+          </p:cNvPr>
+          <p:cNvSpPr>
+            <a:spLocks noGrp="1"/>
+          </p:cNvSpPr>
+          <p:nvPr>
+            <p:ph idx="1"/>
+          </p:nvPr>
+        </p:nvSpPr>
+        <p:spPr>
+          <a:xfrm>
+            <a:off x="838200" y="1274618"/>
+            <a:ext cx="3198091" cy="4902345"/>
+          </a:xfrm>
+        </p:spPr>
+        <p:txBody>
+          <a:bodyPr>
+            <a:normAutofit lnSpcReduction="10000"/>
+          </a:bodyPr>
+          <a:lstStyle/>
+          <a:p>
+            <a:r>
+              <a:rPr lang="en-US" sz="1800" dirty="0"/>
+              <a:t>To balance engineering complexity and user ease, we have opted to create a fluidic sandwich exterior to the chamber which can then be placed into chamber on stage</a:t>
+            </a:r>
+          </a:p>
+          <a:p>
+            <a:r>
+              <a:rPr lang="en-US" sz="1800" b="1" dirty="0"/>
+              <a:t>Constraints</a:t>
+            </a:r>
+          </a:p>
+          <a:p>
+            <a:pPr marL="800100" lvl="1" indent="-342900">
+              <a:buFont typeface="+mj-lt"/>
+              <a:buAutoNum type="arabicPeriod"/>
+            </a:pPr>
+            <a:r>
+              <a:rPr lang="en-US" sz="1200" dirty="0"/>
+              <a:t>No complex joints like slides, hinges, spring assemblies (can be complete units though). </a:t>
+            </a:r>
+          </a:p>
+          <a:p>
+            <a:pPr marL="800100" lvl="1" indent="-342900">
+              <a:buFont typeface="+mj-lt"/>
+              <a:buAutoNum type="arabicPeriod"/>
+            </a:pPr>
+            <a:r>
+              <a:rPr lang="en-US" sz="1200" dirty="0"/>
+              <a:t>Width of slide, but can be longer than slide</a:t>
+            </a:r>
+          </a:p>
+          <a:p>
+            <a:pPr marL="800100" lvl="1" indent="-342900">
+              <a:buFont typeface="+mj-lt"/>
+              <a:buAutoNum type="arabicPeriod"/>
+            </a:pPr>
+            <a:r>
+              <a:rPr lang="en-US" sz="1200" dirty="0"/>
+              <a:t>As thin as possible</a:t>
+            </a:r>
+          </a:p>
+          <a:p>
+            <a:pPr marL="800100" lvl="1" indent="-342900">
+              <a:buFont typeface="+mj-lt"/>
+              <a:buAutoNum type="arabicPeriod"/>
+            </a:pPr>
+            <a:r>
+              <a:rPr lang="en-US" sz="1200" dirty="0"/>
+              <a:t>Fluidic connections baked into pressure plate + </a:t>
+            </a:r>
+            <a:r>
+              <a:rPr lang="en-US" sz="1200" dirty="0" err="1"/>
+              <a:t>fludic</a:t>
+            </a:r>
+            <a:r>
+              <a:rPr lang="en-US" sz="1200" dirty="0"/>
+              <a:t> device combo</a:t>
+            </a:r>
+          </a:p>
+          <a:p>
+            <a:pPr marL="800100" lvl="1" indent="-342900">
+              <a:buFont typeface="+mj-lt"/>
+              <a:buAutoNum type="arabicPeriod"/>
+            </a:pPr>
+            <a:r>
+              <a:rPr lang="en-US" sz="1200" dirty="0"/>
+              <a:t>Fluidic device and pressure plate are integrated together, but able to be separated if needed</a:t>
+            </a:r>
+          </a:p>
+          <a:p>
+            <a:pPr marL="800100" lvl="1" indent="-342900">
+              <a:buFont typeface="+mj-lt"/>
+              <a:buAutoNum type="arabicPeriod"/>
+            </a:pPr>
+            <a:r>
+              <a:rPr lang="en-US" sz="1200" dirty="0"/>
+              <a:t>‘fool proof’ jig placements</a:t>
+            </a:r>
+          </a:p>
+          <a:p>
+            <a:pPr marL="800100" lvl="1" indent="-342900">
+              <a:buFont typeface="+mj-lt"/>
+              <a:buAutoNum type="arabicPeriod"/>
+            </a:pPr>
+            <a:r>
+              <a:rPr lang="en-US" sz="1200" dirty="0"/>
+              <a:t>All parts able to be </a:t>
+            </a:r>
+            <a:r>
+              <a:rPr lang="en-US" sz="1200" dirty="0" err="1"/>
+              <a:t>CNCed</a:t>
+            </a:r>
+            <a:endParaRPr lang="en-US" sz="1200" dirty="0"/>
+          </a:p>
+          <a:p>
+            <a:pPr marL="800100" lvl="1" indent="-342900">
+              <a:buFont typeface="+mj-lt"/>
+              <a:buAutoNum type="arabicPeriod"/>
+            </a:pPr>
+            <a:r>
+              <a:rPr lang="en-US" sz="1200" dirty="0"/>
+              <a:t>Freedom to choose along long slide axis for device placement</a:t>
+            </a:r>
+          </a:p>
+        </p:txBody>
+      </p:sp>
+      <p:pic>
+        <p:nvPicPr>
+          <p:cNvPr id="5" name="Picture 4">
+            <a:extLst>
+              <a:ext uri="{FF2B5EF4-FFF2-40B4-BE49-F238E27FC236}">
+                <a16:creationId xmlns:a16="http://schemas.microsoft.com/office/drawing/2014/main" id="{25810766-6414-F4C5-8B2F-14B419D9BD22}"/>
+              </a:ext>
+            </a:extLst>
+          </p:cNvPr>
+          <p:cNvPicPr>
+            <a:picLocks noChangeAspect="1"/>
+          </p:cNvPicPr>
+          <p:nvPr/>
+        </p:nvPicPr>
+        <p:blipFill>
+          <a:blip r:embed="rId2"/>
+          <a:stretch>
+            <a:fillRect/>
+          </a:stretch>
+        </p:blipFill>
+        <p:spPr>
+          <a:xfrm>
+            <a:off x="4285673" y="2152101"/>
+            <a:ext cx="4701309" cy="1276899"/>
+          </a:xfrm>
+          <a:prstGeom prst="rect">
+            <a:avLst/>
+          </a:prstGeom>
+        </p:spPr>
+      </p:pic>
+      <p:pic>
+        <p:nvPicPr>
+          <p:cNvPr id="7" name="Picture 6">
+            <a:extLst>
+              <a:ext uri="{FF2B5EF4-FFF2-40B4-BE49-F238E27FC236}">
+                <a16:creationId xmlns:a16="http://schemas.microsoft.com/office/drawing/2014/main" id="{93DFC3A0-961E-D56A-BA33-E456FCF0E9A3}"/>
+              </a:ext>
+            </a:extLst>
+          </p:cNvPr>
+          <p:cNvPicPr>
+            <a:picLocks noChangeAspect="1"/>
+          </p:cNvPicPr>
+          <p:nvPr/>
+        </p:nvPicPr>
+        <p:blipFill>
+          <a:blip r:embed="rId3"/>
+          <a:stretch>
+            <a:fillRect/>
+          </a:stretch>
+        </p:blipFill>
+        <p:spPr>
+          <a:xfrm>
+            <a:off x="4514088" y="3900221"/>
+            <a:ext cx="3484603" cy="2027406"/>
+          </a:xfrm>
+          <a:prstGeom prst="rect">
+            <a:avLst/>
+          </a:prstGeom>
+        </p:spPr>
+      </p:pic>
+      <p:cxnSp>
+        <p:nvCxnSpPr>
+          <p:cNvPr id="9" name="Straight Arrow Connector 8">
+            <a:extLst>
+              <a:ext uri="{FF2B5EF4-FFF2-40B4-BE49-F238E27FC236}">
+                <a16:creationId xmlns:a16="http://schemas.microsoft.com/office/drawing/2014/main" id="{B6CD0C0C-D94F-820D-FA80-92B18C03EFE8}"/>
+              </a:ext>
+            </a:extLst>
+          </p:cNvPr>
+          <p:cNvCxnSpPr/>
+          <p:nvPr/>
+        </p:nvCxnSpPr>
+        <p:spPr>
+          <a:xfrm flipH="1" flipV="1">
+            <a:off x="8986982" y="3352800"/>
+            <a:ext cx="193963" cy="76200"/>
+          </a:xfrm>
+          <a:prstGeom prst="straightConnector1">
+            <a:avLst/>
+          </a:prstGeom>
+          <a:ln>
+            <a:tailEnd type="triangle"/>
+          </a:ln>
+        </p:spPr>
+        <p:style>
+          <a:lnRef idx="2">
+            <a:schemeClr val="accent1"/>
+          </a:lnRef>
+          <a:fillRef idx="0">
+            <a:schemeClr val="accent1"/>
+          </a:fillRef>
+          <a:effectRef idx="1">
+            <a:schemeClr val="accent1"/>
+          </a:effectRef>
+          <a:fontRef idx="minor">
+            <a:schemeClr val="tx1"/>
+          </a:fontRef>
+        </p:style>
+      </p:cxnSp>
+      <p:sp>
+        <p:nvSpPr>
+          <p:cNvPr id="10" name="TextBox 9">
+            <a:extLst>
+              <a:ext uri="{FF2B5EF4-FFF2-40B4-BE49-F238E27FC236}">
+                <a16:creationId xmlns:a16="http://schemas.microsoft.com/office/drawing/2014/main" id="{C9D60735-354C-24BD-DA2F-9000096C6821}"/>
+              </a:ext>
+            </a:extLst>
+          </p:cNvPr>
+          <p:cNvSpPr txBox="1"/>
+          <p:nvPr/>
+        </p:nvSpPr>
+        <p:spPr>
+          <a:xfrm>
+            <a:off x="9180945" y="3244334"/>
+            <a:ext cx="1652568" cy="369332"/>
+          </a:xfrm>
+          <a:prstGeom prst="rect">
+            <a:avLst/>
+          </a:prstGeom>
+          <a:noFill/>
+        </p:spPr>
+        <p:txBody>
+          <a:bodyPr wrap="none" rtlCol="0">
+            <a:spAutoFit/>
+          </a:bodyPr>
+          <a:lstStyle/>
+          <a:p>
+            <a:r>
+              <a:rPr lang="en-US" dirty="0"/>
+              <a:t>Stainless Steel</a:t>
+            </a:r>
+          </a:p>
+        </p:txBody>
+      </p:sp>
+      <p:cxnSp>
+        <p:nvCxnSpPr>
+          <p:cNvPr id="11" name="Straight Arrow Connector 10">
+            <a:extLst>
+              <a:ext uri="{FF2B5EF4-FFF2-40B4-BE49-F238E27FC236}">
+                <a16:creationId xmlns:a16="http://schemas.microsoft.com/office/drawing/2014/main" id="{361F05AF-E2D0-2470-497A-1923C114EED0}"/>
+              </a:ext>
+            </a:extLst>
+          </p:cNvPr>
+          <p:cNvCxnSpPr>
+            <a:cxnSpLocks/>
+          </p:cNvCxnSpPr>
+          <p:nvPr/>
+        </p:nvCxnSpPr>
+        <p:spPr>
+          <a:xfrm flipH="1">
+            <a:off x="8506691" y="3147291"/>
+            <a:ext cx="281708" cy="0"/>
+          </a:xfrm>
+          <a:prstGeom prst="straightConnector1">
+            <a:avLst/>
+          </a:prstGeom>
+          <a:ln>
+            <a:tailEnd type="triangle"/>
+          </a:ln>
+        </p:spPr>
+        <p:style>
+          <a:lnRef idx="2">
+            <a:schemeClr val="accent1"/>
+          </a:lnRef>
+          <a:fillRef idx="0">
+            <a:schemeClr val="accent1"/>
+          </a:fillRef>
+          <a:effectRef idx="1">
+            <a:schemeClr val="accent1"/>
+          </a:effectRef>
+          <a:fontRef idx="minor">
+            <a:schemeClr val="tx1"/>
+          </a:fontRef>
+        </p:style>
+      </p:cxnSp>
+      <p:sp>
+        <p:nvSpPr>
+          <p:cNvPr id="13" name="TextBox 12">
+            <a:extLst>
+              <a:ext uri="{FF2B5EF4-FFF2-40B4-BE49-F238E27FC236}">
+                <a16:creationId xmlns:a16="http://schemas.microsoft.com/office/drawing/2014/main" id="{0EB84F32-12F1-5232-CC0E-A5B9F313CC50}"/>
+              </a:ext>
+            </a:extLst>
+          </p:cNvPr>
+          <p:cNvSpPr txBox="1"/>
+          <p:nvPr/>
+        </p:nvSpPr>
+        <p:spPr>
+          <a:xfrm>
+            <a:off x="8840948" y="2962625"/>
+            <a:ext cx="679994" cy="369332"/>
+          </a:xfrm>
+          <a:prstGeom prst="rect">
+            <a:avLst/>
+          </a:prstGeom>
+          <a:noFill/>
+        </p:spPr>
+        <p:txBody>
+          <a:bodyPr wrap="none" rtlCol="0">
+            <a:spAutoFit/>
+          </a:bodyPr>
+          <a:lstStyle/>
+          <a:p>
+            <a:r>
+              <a:rPr lang="en-US" dirty="0"/>
+              <a:t>Slide</a:t>
+            </a:r>
+          </a:p>
+        </p:txBody>
+      </p:sp>
+      <p:cxnSp>
+        <p:nvCxnSpPr>
+          <p:cNvPr id="14" name="Straight Arrow Connector 13">
+            <a:extLst>
+              <a:ext uri="{FF2B5EF4-FFF2-40B4-BE49-F238E27FC236}">
+                <a16:creationId xmlns:a16="http://schemas.microsoft.com/office/drawing/2014/main" id="{0D632741-4A3B-7CF7-7AF9-FB251AAB2FCD}"/>
+              </a:ext>
+            </a:extLst>
+          </p:cNvPr>
+          <p:cNvCxnSpPr>
+            <a:cxnSpLocks/>
+          </p:cNvCxnSpPr>
+          <p:nvPr/>
+        </p:nvCxnSpPr>
+        <p:spPr>
+          <a:xfrm flipH="1">
+            <a:off x="7569200" y="2962625"/>
+            <a:ext cx="281708" cy="0"/>
+          </a:xfrm>
+          <a:prstGeom prst="straightConnector1">
+            <a:avLst/>
+          </a:prstGeom>
+          <a:ln w="31750">
+            <a:solidFill>
+              <a:srgbClr val="FF0000"/>
+            </a:solidFill>
+            <a:tailEnd type="triangle"/>
+          </a:ln>
+        </p:spPr>
+        <p:style>
+          <a:lnRef idx="2">
+            <a:schemeClr val="accent1"/>
+          </a:lnRef>
+          <a:fillRef idx="0">
+            <a:schemeClr val="accent1"/>
+          </a:fillRef>
+          <a:effectRef idx="1">
+            <a:schemeClr val="accent1"/>
+          </a:effectRef>
+          <a:fontRef idx="minor">
+            <a:schemeClr val="tx1"/>
+          </a:fontRef>
+        </p:style>
+      </p:cxnSp>
+      <p:sp>
+        <p:nvSpPr>
+          <p:cNvPr id="15" name="TextBox 14">
+            <a:extLst>
+              <a:ext uri="{FF2B5EF4-FFF2-40B4-BE49-F238E27FC236}">
+                <a16:creationId xmlns:a16="http://schemas.microsoft.com/office/drawing/2014/main" id="{60BBC5E7-3C1D-7F99-5AF5-BEF59C1D313B}"/>
+              </a:ext>
+            </a:extLst>
+          </p:cNvPr>
+          <p:cNvSpPr txBox="1"/>
+          <p:nvPr/>
+        </p:nvSpPr>
+        <p:spPr>
+          <a:xfrm>
+            <a:off x="7893317" y="2722726"/>
+            <a:ext cx="2113912" cy="369332"/>
+          </a:xfrm>
+          <a:prstGeom prst="rect">
+            <a:avLst/>
+          </a:prstGeom>
+          <a:noFill/>
+        </p:spPr>
+        <p:txBody>
+          <a:bodyPr wrap="none" rtlCol="0">
+            <a:spAutoFit/>
+          </a:bodyPr>
+          <a:lstStyle/>
+          <a:p>
+            <a:r>
+              <a:rPr lang="en-US" dirty="0"/>
+              <a:t>Where magnets are</a:t>
+            </a:r>
+          </a:p>
+        </p:txBody>
+      </p:sp>
+      <p:cxnSp>
+        <p:nvCxnSpPr>
+          <p:cNvPr id="16" name="Straight Arrow Connector 15">
+            <a:extLst>
+              <a:ext uri="{FF2B5EF4-FFF2-40B4-BE49-F238E27FC236}">
+                <a16:creationId xmlns:a16="http://schemas.microsoft.com/office/drawing/2014/main" id="{49DAACE8-6F6B-63B6-09DB-20EADB08797A}"/>
+              </a:ext>
+            </a:extLst>
+          </p:cNvPr>
+          <p:cNvCxnSpPr>
+            <a:cxnSpLocks/>
+          </p:cNvCxnSpPr>
+          <p:nvPr/>
+        </p:nvCxnSpPr>
+        <p:spPr>
+          <a:xfrm flipH="1">
+            <a:off x="7010400" y="2329934"/>
+            <a:ext cx="1269999" cy="762124"/>
+          </a:xfrm>
+          <a:prstGeom prst="straightConnector1">
+            <a:avLst/>
+          </a:prstGeom>
+          <a:ln>
+            <a:tailEnd type="triangle"/>
+          </a:ln>
+        </p:spPr>
+        <p:style>
+          <a:lnRef idx="2">
+            <a:schemeClr val="accent1"/>
+          </a:lnRef>
+          <a:fillRef idx="0">
+            <a:schemeClr val="accent1"/>
+          </a:fillRef>
+          <a:effectRef idx="1">
+            <a:schemeClr val="accent1"/>
+          </a:effectRef>
+          <a:fontRef idx="minor">
+            <a:schemeClr val="tx1"/>
+          </a:fontRef>
+        </p:style>
+      </p:cxnSp>
+      <p:sp>
+        <p:nvSpPr>
+          <p:cNvPr id="19" name="TextBox 18">
+            <a:extLst>
+              <a:ext uri="{FF2B5EF4-FFF2-40B4-BE49-F238E27FC236}">
+                <a16:creationId xmlns:a16="http://schemas.microsoft.com/office/drawing/2014/main" id="{D997BC79-4021-DEE9-8F7E-D2432B6137D5}"/>
+              </a:ext>
+            </a:extLst>
+          </p:cNvPr>
+          <p:cNvSpPr txBox="1"/>
+          <p:nvPr/>
+        </p:nvSpPr>
+        <p:spPr>
+          <a:xfrm>
+            <a:off x="8280399" y="2118899"/>
+            <a:ext cx="1583832" cy="369332"/>
+          </a:xfrm>
+          <a:prstGeom prst="rect">
+            <a:avLst/>
+          </a:prstGeom>
+          <a:noFill/>
+        </p:spPr>
+        <p:txBody>
+          <a:bodyPr wrap="none" rtlCol="0">
+            <a:spAutoFit/>
+          </a:bodyPr>
+          <a:lstStyle/>
+          <a:p>
+            <a:r>
+              <a:rPr lang="en-US" dirty="0"/>
+              <a:t>Fluidic Device</a:t>
+            </a:r>
+          </a:p>
+        </p:txBody>
+      </p:sp>
+      <p:cxnSp>
+        <p:nvCxnSpPr>
+          <p:cNvPr id="20" name="Straight Arrow Connector 19">
+            <a:extLst>
+              <a:ext uri="{FF2B5EF4-FFF2-40B4-BE49-F238E27FC236}">
+                <a16:creationId xmlns:a16="http://schemas.microsoft.com/office/drawing/2014/main" id="{6693EFD5-4046-29CF-974A-8DB7930A7FFC}"/>
+              </a:ext>
+            </a:extLst>
+          </p:cNvPr>
+          <p:cNvCxnSpPr>
+            <a:cxnSpLocks/>
+          </p:cNvCxnSpPr>
+          <p:nvPr/>
+        </p:nvCxnSpPr>
+        <p:spPr>
+          <a:xfrm flipH="1">
+            <a:off x="6440545" y="2029594"/>
+            <a:ext cx="1269999" cy="762124"/>
+          </a:xfrm>
+          <a:prstGeom prst="straightConnector1">
+            <a:avLst/>
+          </a:prstGeom>
+          <a:ln>
+            <a:tailEnd type="triangle"/>
+          </a:ln>
+        </p:spPr>
+        <p:style>
+          <a:lnRef idx="2">
+            <a:schemeClr val="accent1"/>
+          </a:lnRef>
+          <a:fillRef idx="0">
+            <a:schemeClr val="accent1"/>
+          </a:fillRef>
+          <a:effectRef idx="1">
+            <a:schemeClr val="accent1"/>
+          </a:effectRef>
+          <a:fontRef idx="minor">
+            <a:schemeClr val="tx1"/>
+          </a:fontRef>
+        </p:style>
+      </p:cxnSp>
+      <p:sp>
+        <p:nvSpPr>
+          <p:cNvPr id="21" name="TextBox 20">
+            <a:extLst>
+              <a:ext uri="{FF2B5EF4-FFF2-40B4-BE49-F238E27FC236}">
+                <a16:creationId xmlns:a16="http://schemas.microsoft.com/office/drawing/2014/main" id="{C471E6BF-BDB0-CFE4-AADD-EC5D86940A23}"/>
+              </a:ext>
+            </a:extLst>
+          </p:cNvPr>
+          <p:cNvSpPr txBox="1"/>
+          <p:nvPr/>
+        </p:nvSpPr>
+        <p:spPr>
+          <a:xfrm>
+            <a:off x="7670130" y="1781676"/>
+            <a:ext cx="1615635" cy="369332"/>
+          </a:xfrm>
+          <a:prstGeom prst="rect">
+            <a:avLst/>
+          </a:prstGeom>
+          <a:noFill/>
+        </p:spPr>
+        <p:txBody>
+          <a:bodyPr wrap="none" rtlCol="0">
+            <a:spAutoFit/>
+          </a:bodyPr>
+          <a:lstStyle/>
+          <a:p>
+            <a:r>
+              <a:rPr lang="en-US" dirty="0"/>
+              <a:t>Pressure Plate</a:t>
+            </a:r>
+          </a:p>
+        </p:txBody>
+      </p:sp>
+      <p:sp>
+        <p:nvSpPr>
+          <p:cNvPr id="22" name="Oval 21">
+            <a:extLst>
+              <a:ext uri="{FF2B5EF4-FFF2-40B4-BE49-F238E27FC236}">
+                <a16:creationId xmlns:a16="http://schemas.microsoft.com/office/drawing/2014/main" id="{B9155966-7F6D-D048-6D22-C4AEFD2FA563}"/>
+              </a:ext>
+            </a:extLst>
+          </p:cNvPr>
+          <p:cNvSpPr/>
+          <p:nvPr/>
+        </p:nvSpPr>
+        <p:spPr>
+          <a:xfrm>
+            <a:off x="7305861" y="2791718"/>
+            <a:ext cx="277297" cy="355570"/>
+          </a:xfrm>
+          <a:prstGeom prst="ellipse">
+            <a:avLst/>
+          </a:prstGeom>
+          <a:noFill/>
+          <a:ln w="31750">
+            <a:solidFill>
+              <a:srgbClr val="FF0000"/>
+            </a:solidFill>
+          </a:ln>
+        </p:spPr>
+        <p:style>
+          <a:lnRef idx="2">
+            <a:schemeClr val="accent1">
+              <a:shade val="15000"/>
+            </a:schemeClr>
+          </a:lnRef>
+          <a:fillRef idx="1">
+            <a:schemeClr val="accent1"/>
+          </a:fillRef>
+          <a:effectRef idx="0">
+            <a:schemeClr val="accent1"/>
+          </a:effectRef>
+          <a:fontRef idx="minor">
+            <a:schemeClr val="lt1"/>
+          </a:fontRef>
+        </p:style>
+        <p:txBody>
+          <a:bodyPr rtlCol="0" anchor="ctr"/>
+          <a:lstStyle/>
+          <a:p>
+            <a:pPr algn="ctr"/>
+            <a:endParaRPr lang="en-US"/>
+          </a:p>
+        </p:txBody>
+      </p:sp>
+    </p:spTree>
+    <p:extLst>
+      <p:ext uri="{BB962C8B-B14F-4D97-AF65-F5344CB8AC3E}">
+        <p14:creationId xmlns:p14="http://schemas.microsoft.com/office/powerpoint/2010/main" val="1982754646"/>
+      </p:ext>
+    </p:extLst>
+  </p:cSld>
+  <p:clrMapOvr>
+    <a:masterClrMapping/>
+  </p:clrMapOvr>
+</p:sld>
+</file>
+
+<file path=ppt/slides/slide6.xml><?xml version="1.0" encoding="utf-8"?>
+<p:sld xmlns:a="http://schemas.openxmlformats.org/drawingml/2006/main" xmlns:r="http://schemas.openxmlformats.org/officeDocument/2006/relationships" xmlns:p="http://schemas.openxmlformats.org/presentationml/2006/main">
+  <p:cSld>
+    <p:spTree>
+      <p:nvGrpSpPr>
+        <p:cNvPr id="1" name=""/>
+        <p:cNvGrpSpPr/>
+        <p:nvPr/>
+      </p:nvGrpSpPr>
+      <p:grpSpPr>
+        <a:xfrm>
+          <a:off x="0" y="0"/>
+          <a:ext cx="0" cy="0"/>
+          <a:chOff x="0" y="0"/>
+          <a:chExt cx="0" cy="0"/>
+        </a:xfrm>
+      </p:grpSpPr>
+      <p:sp>
+        <p:nvSpPr>
+          <p:cNvPr id="2" name="Title 1">
+            <a:extLst>
+              <a:ext uri="{FF2B5EF4-FFF2-40B4-BE49-F238E27FC236}">
+                <a16:creationId xmlns:a16="http://schemas.microsoft.com/office/drawing/2014/main" id="{96DCDE0E-019B-F483-1D70-298912698E37}"/>
+              </a:ext>
+            </a:extLst>
+          </p:cNvPr>
+          <p:cNvSpPr>
+            <a:spLocks noGrp="1"/>
+          </p:cNvSpPr>
+          <p:nvPr>
+            <p:ph type="title"/>
+          </p:nvPr>
+        </p:nvSpPr>
+        <p:spPr>
+          <a:xfrm>
+            <a:off x="838200" y="365126"/>
+            <a:ext cx="10515600" cy="576984"/>
+          </a:xfrm>
+        </p:spPr>
+        <p:txBody>
+          <a:bodyPr>
+            <a:normAutofit fontScale="90000"/>
+          </a:bodyPr>
+          <a:lstStyle/>
+          <a:p>
+            <a:r>
+              <a:rPr lang="en-US" dirty="0"/>
+              <a:t>Key Changes from Current Model</a:t>
+            </a:r>
+          </a:p>
+        </p:txBody>
+      </p:sp>
+      <p:sp>
+        <p:nvSpPr>
+          <p:cNvPr id="3" name="Content Placeholder 2">
+            <a:extLst>
+              <a:ext uri="{FF2B5EF4-FFF2-40B4-BE49-F238E27FC236}">
+                <a16:creationId xmlns:a16="http://schemas.microsoft.com/office/drawing/2014/main" id="{617068C1-2E1D-AF05-EBBF-4F40E79B8500}"/>
+              </a:ext>
+            </a:extLst>
+          </p:cNvPr>
+          <p:cNvSpPr>
+            <a:spLocks noGrp="1"/>
+          </p:cNvSpPr>
+          <p:nvPr>
+            <p:ph idx="1"/>
+          </p:nvPr>
+        </p:nvSpPr>
+        <p:spPr>
+          <a:xfrm>
+            <a:off x="838200" y="1182255"/>
+            <a:ext cx="10515600" cy="4994708"/>
+          </a:xfrm>
+        </p:spPr>
+        <p:txBody>
+          <a:bodyPr>
+            <a:normAutofit/>
+          </a:bodyPr>
+          <a:lstStyle/>
+          <a:p>
+            <a:pPr marL="514350" indent="-514350">
+              <a:buFont typeface="+mj-lt"/>
+              <a:buAutoNum type="arabicPeriod"/>
+            </a:pPr>
+            <a:r>
+              <a:rPr lang="en-US" sz="2000" dirty="0"/>
+              <a:t>By placing magnets only on ends, it enabled the width to be that of the slide or just slightly larger</a:t>
+            </a:r>
+          </a:p>
+          <a:p>
+            <a:pPr marL="514350" indent="-514350">
+              <a:buFont typeface="+mj-lt"/>
+              <a:buAutoNum type="arabicPeriod"/>
+            </a:pPr>
+            <a:r>
+              <a:rPr lang="en-US" sz="2000" dirty="0"/>
+              <a:t>To make a compact moveable sandwich, the bottom has to be a plate. Currently we have embedded magnets encased in resin. This leads to 2 issues. Thicker and need exact placement. Going to SS, the specificity goes away, its simpler and thinner</a:t>
+            </a:r>
+          </a:p>
+          <a:p>
+            <a:pPr marL="514350" indent="-514350">
+              <a:buFont typeface="+mj-lt"/>
+              <a:buAutoNum type="arabicPeriod"/>
+            </a:pPr>
+            <a:r>
+              <a:rPr lang="en-US" sz="2000" dirty="0"/>
+              <a:t>Fluidic device and PP are integrated and integrated with fluidics</a:t>
+            </a:r>
+          </a:p>
+          <a:p>
+            <a:pPr marL="514350" indent="-514350">
+              <a:buFont typeface="+mj-lt"/>
+              <a:buAutoNum type="arabicPeriod"/>
+            </a:pPr>
+            <a:endParaRPr lang="en-US" sz="2000" dirty="0"/>
+          </a:p>
+          <a:p>
+            <a:pPr marL="514350" indent="-514350">
+              <a:buFont typeface="+mj-lt"/>
+              <a:buAutoNum type="arabicPeriod"/>
+            </a:pPr>
+            <a:endParaRPr lang="en-US" sz="2000" dirty="0"/>
+          </a:p>
+          <a:p>
+            <a:pPr marL="514350" indent="-514350">
+              <a:buFont typeface="+mj-lt"/>
+              <a:buAutoNum type="arabicPeriod"/>
+            </a:pPr>
+            <a:endParaRPr lang="en-US" sz="2000" dirty="0"/>
+          </a:p>
+        </p:txBody>
+      </p:sp>
+    </p:spTree>
+    <p:extLst>
+      <p:ext uri="{BB962C8B-B14F-4D97-AF65-F5344CB8AC3E}">
+        <p14:creationId xmlns:p14="http://schemas.microsoft.com/office/powerpoint/2010/main" val="950450983"/>
+      </p:ext>
+    </p:extLst>
+  </p:cSld>
+  <p:clrMapOvr>
+    <a:masterClrMapping/>
+  </p:clrMapOvr>
+</p:sld>
+</file>
+
+<file path=ppt/slides/slide7.xml><?xml version="1.0" encoding="utf-8"?>
+<p:sld xmlns:a="http://schemas.openxmlformats.org/drawingml/2006/main" xmlns:r="http://schemas.openxmlformats.org/officeDocument/2006/relationships" xmlns:p="http://schemas.openxmlformats.org/presentationml/2006/main">
+  <p:cSld>
+    <p:spTree>
+      <p:nvGrpSpPr>
+        <p:cNvPr id="1" name=""/>
+        <p:cNvGrpSpPr/>
+        <p:nvPr/>
+      </p:nvGrpSpPr>
+      <p:grpSpPr>
+        <a:xfrm>
+          <a:off x="0" y="0"/>
+          <a:ext cx="0" cy="0"/>
+          <a:chOff x="0" y="0"/>
+          <a:chExt cx="0" cy="0"/>
+        </a:xfrm>
+      </p:grpSpPr>
+      <p:sp>
+        <p:nvSpPr>
+          <p:cNvPr id="2" name="Title 1">
+            <a:extLst>
+              <a:ext uri="{FF2B5EF4-FFF2-40B4-BE49-F238E27FC236}">
+                <a16:creationId xmlns:a16="http://schemas.microsoft.com/office/drawing/2014/main" id="{CA157811-F91D-F024-C73C-64472713CE92}"/>
+              </a:ext>
+            </a:extLst>
+          </p:cNvPr>
+          <p:cNvSpPr>
+            <a:spLocks noGrp="1"/>
+          </p:cNvSpPr>
+          <p:nvPr>
+            <p:ph type="title"/>
+          </p:nvPr>
+        </p:nvSpPr>
+        <p:spPr>
+          <a:xfrm>
+            <a:off x="838200" y="365125"/>
+            <a:ext cx="10515600" cy="1100259"/>
+          </a:xfrm>
+        </p:spPr>
+        <p:txBody>
+          <a:bodyPr/>
+          <a:lstStyle/>
+          <a:p>
+            <a:r>
+              <a:rPr lang="en-US" dirty="0"/>
+              <a:t>Key Risks</a:t>
+            </a:r>
+          </a:p>
+        </p:txBody>
+      </p:sp>
+      <p:sp>
+        <p:nvSpPr>
+          <p:cNvPr id="3" name="Content Placeholder 2">
+            <a:extLst>
+              <a:ext uri="{FF2B5EF4-FFF2-40B4-BE49-F238E27FC236}">
+                <a16:creationId xmlns:a16="http://schemas.microsoft.com/office/drawing/2014/main" id="{8EE92470-DEC0-5D47-E2B9-778BCB552542}"/>
+              </a:ext>
+            </a:extLst>
+          </p:cNvPr>
+          <p:cNvSpPr>
+            <a:spLocks noGrp="1"/>
+          </p:cNvSpPr>
+          <p:nvPr>
+            <p:ph idx="1"/>
+          </p:nvPr>
+        </p:nvSpPr>
+        <p:spPr/>
+        <p:txBody>
+          <a:bodyPr>
+            <a:normAutofit/>
+          </a:bodyPr>
+          <a:lstStyle/>
+          <a:p>
+            <a:pPr marL="514350" indent="-514350">
+              <a:buFont typeface="+mj-lt"/>
+              <a:buAutoNum type="arabicPeriod"/>
+            </a:pPr>
+            <a:r>
+              <a:rPr lang="en-US" sz="2000" dirty="0"/>
+              <a:t>Can magnets on just the ends give enough force to seal? </a:t>
+            </a:r>
+          </a:p>
+          <a:p>
+            <a:pPr marL="514350" indent="-514350">
+              <a:buFont typeface="+mj-lt"/>
+              <a:buAutoNum type="arabicPeriod"/>
+            </a:pPr>
+            <a:r>
+              <a:rPr lang="en-US" sz="2000" dirty="0"/>
+              <a:t>The reduced B field from mags being over the slide and not off to the side and from SS instead of another mag. Will it be enough to seal?</a:t>
+            </a:r>
+          </a:p>
+        </p:txBody>
+      </p:sp>
+    </p:spTree>
+    <p:extLst>
+      <p:ext uri="{BB962C8B-B14F-4D97-AF65-F5344CB8AC3E}">
+        <p14:creationId xmlns:p14="http://schemas.microsoft.com/office/powerpoint/2010/main" val="3166922870"/>
+      </p:ext>
+    </p:extLst>
+  </p:cSld>
+  <p:clrMapOvr>
+    <a:masterClrMapping/>
+  </p:clrMapOvr>
+</p:sld>
+</file>
+
+<file path=ppt/slides/slide8.xml><?xml version="1.0" encoding="utf-8"?>
+<p:sld xmlns:a="http://schemas.openxmlformats.org/drawingml/2006/main" xmlns:r="http://schemas.openxmlformats.org/officeDocument/2006/relationships" xmlns:p="http://schemas.openxmlformats.org/presentationml/2006/main">
+  <p:cSld>
+    <p:spTree>
+      <p:nvGrpSpPr>
+        <p:cNvPr id="1" name=""/>
+        <p:cNvGrpSpPr/>
+        <p:nvPr/>
+      </p:nvGrpSpPr>
+      <p:grpSpPr>
+        <a:xfrm>
+          <a:off x="0" y="0"/>
+          <a:ext cx="0" cy="0"/>
+          <a:chOff x="0" y="0"/>
+          <a:chExt cx="0" cy="0"/>
+        </a:xfrm>
+      </p:grpSpPr>
+      <p:sp>
+        <p:nvSpPr>
+          <p:cNvPr id="2" name="Title 1">
+            <a:extLst>
+              <a:ext uri="{FF2B5EF4-FFF2-40B4-BE49-F238E27FC236}">
+                <a16:creationId xmlns:a16="http://schemas.microsoft.com/office/drawing/2014/main" id="{C0CEE84D-098D-FB43-668E-72A946AAEA30}"/>
+              </a:ext>
+            </a:extLst>
+          </p:cNvPr>
+          <p:cNvSpPr>
+            <a:spLocks noGrp="1"/>
+          </p:cNvSpPr>
+          <p:nvPr>
+            <p:ph type="title"/>
+          </p:nvPr>
+        </p:nvSpPr>
+        <p:spPr/>
+        <p:txBody>
+          <a:bodyPr/>
+          <a:lstStyle/>
+          <a:p>
+            <a:endParaRPr lang="en-US"/>
+          </a:p>
+        </p:txBody>
+      </p:sp>
+      <p:sp>
+        <p:nvSpPr>
+          <p:cNvPr id="3" name="Content Placeholder 2">
+            <a:extLst>
+              <a:ext uri="{FF2B5EF4-FFF2-40B4-BE49-F238E27FC236}">
+                <a16:creationId xmlns:a16="http://schemas.microsoft.com/office/drawing/2014/main" id="{B8870A7F-8024-2014-CBC9-42C1F34AC5E8}"/>
+              </a:ext>
+            </a:extLst>
+          </p:cNvPr>
+          <p:cNvSpPr>
+            <a:spLocks noGrp="1"/>
+          </p:cNvSpPr>
+          <p:nvPr>
+            <p:ph idx="1"/>
+          </p:nvPr>
+        </p:nvSpPr>
+        <p:spPr/>
+        <p:txBody>
+          <a:bodyPr/>
+          <a:lstStyle/>
+          <a:p>
+            <a:endParaRPr lang="en-US"/>
+          </a:p>
+        </p:txBody>
+      </p:sp>
+    </p:spTree>
+    <p:extLst>
+      <p:ext uri="{BB962C8B-B14F-4D97-AF65-F5344CB8AC3E}">
+        <p14:creationId xmlns:p14="http://schemas.microsoft.com/office/powerpoint/2010/main" val="4157939114"/>
       </p:ext>
     </p:extLst>
   </p:cSld>

--- a/Presentation/Commercial Prototype Production.pptx
+++ b/Presentation/Commercial Prototype Production.pptx
@@ -13,6 +13,8 @@
     <p:sldId id="261" r:id="rId7"/>
     <p:sldId id="262" r:id="rId8"/>
     <p:sldId id="263" r:id="rId9"/>
+    <p:sldId id="264" r:id="rId10"/>
+    <p:sldId id="265" r:id="rId11"/>
   </p:sldIdLst>
   <p:sldSz cx="12192000" cy="6858000"/>
   <p:notesSz cx="6858000" cy="9144000"/>
@@ -111,6 +113,11 @@
       </a:defRPr>
     </a:lvl9pPr>
   </p:defaultTextStyle>
+  <p:extLst>
+    <p:ext uri="{EFAFB233-063F-42B5-8137-9DF3F51BA10A}">
+      <p15:sldGuideLst xmlns:p15="http://schemas.microsoft.com/office/powerpoint/2012/main"/>
+    </p:ext>
+  </p:extLst>
 </p:presentation>
 </file>
 
@@ -261,7 +268,7 @@
           <a:p>
             <a:fld id="{C77DC1F8-EECA-4158-97AF-E98581FAD10B}" type="datetimeFigureOut">
               <a:rPr lang="en-US" smtClean="0"/>
-              <a:t>4/4/2025</a:t>
+              <a:t>4/10/2025</a:t>
             </a:fld>
             <a:endParaRPr lang="en-US"/>
           </a:p>
@@ -459,7 +466,7 @@
           <a:p>
             <a:fld id="{C77DC1F8-EECA-4158-97AF-E98581FAD10B}" type="datetimeFigureOut">
               <a:rPr lang="en-US" smtClean="0"/>
-              <a:t>4/4/2025</a:t>
+              <a:t>4/10/2025</a:t>
             </a:fld>
             <a:endParaRPr lang="en-US"/>
           </a:p>
@@ -667,7 +674,7 @@
           <a:p>
             <a:fld id="{C77DC1F8-EECA-4158-97AF-E98581FAD10B}" type="datetimeFigureOut">
               <a:rPr lang="en-US" smtClean="0"/>
-              <a:t>4/4/2025</a:t>
+              <a:t>4/10/2025</a:t>
             </a:fld>
             <a:endParaRPr lang="en-US"/>
           </a:p>
@@ -865,7 +872,7 @@
           <a:p>
             <a:fld id="{C77DC1F8-EECA-4158-97AF-E98581FAD10B}" type="datetimeFigureOut">
               <a:rPr lang="en-US" smtClean="0"/>
-              <a:t>4/4/2025</a:t>
+              <a:t>4/10/2025</a:t>
             </a:fld>
             <a:endParaRPr lang="en-US"/>
           </a:p>
@@ -1140,7 +1147,7 @@
           <a:p>
             <a:fld id="{C77DC1F8-EECA-4158-97AF-E98581FAD10B}" type="datetimeFigureOut">
               <a:rPr lang="en-US" smtClean="0"/>
-              <a:t>4/4/2025</a:t>
+              <a:t>4/10/2025</a:t>
             </a:fld>
             <a:endParaRPr lang="en-US"/>
           </a:p>
@@ -1405,7 +1412,7 @@
           <a:p>
             <a:fld id="{C77DC1F8-EECA-4158-97AF-E98581FAD10B}" type="datetimeFigureOut">
               <a:rPr lang="en-US" smtClean="0"/>
-              <a:t>4/4/2025</a:t>
+              <a:t>4/10/2025</a:t>
             </a:fld>
             <a:endParaRPr lang="en-US"/>
           </a:p>
@@ -1817,7 +1824,7 @@
           <a:p>
             <a:fld id="{C77DC1F8-EECA-4158-97AF-E98581FAD10B}" type="datetimeFigureOut">
               <a:rPr lang="en-US" smtClean="0"/>
-              <a:t>4/4/2025</a:t>
+              <a:t>4/10/2025</a:t>
             </a:fld>
             <a:endParaRPr lang="en-US"/>
           </a:p>
@@ -1958,7 +1965,7 @@
           <a:p>
             <a:fld id="{C77DC1F8-EECA-4158-97AF-E98581FAD10B}" type="datetimeFigureOut">
               <a:rPr lang="en-US" smtClean="0"/>
-              <a:t>4/4/2025</a:t>
+              <a:t>4/10/2025</a:t>
             </a:fld>
             <a:endParaRPr lang="en-US"/>
           </a:p>
@@ -2071,7 +2078,7 @@
           <a:p>
             <a:fld id="{C77DC1F8-EECA-4158-97AF-E98581FAD10B}" type="datetimeFigureOut">
               <a:rPr lang="en-US" smtClean="0"/>
-              <a:t>4/4/2025</a:t>
+              <a:t>4/10/2025</a:t>
             </a:fld>
             <a:endParaRPr lang="en-US"/>
           </a:p>
@@ -2382,7 +2389,7 @@
           <a:p>
             <a:fld id="{C77DC1F8-EECA-4158-97AF-E98581FAD10B}" type="datetimeFigureOut">
               <a:rPr lang="en-US" smtClean="0"/>
-              <a:t>4/4/2025</a:t>
+              <a:t>4/10/2025</a:t>
             </a:fld>
             <a:endParaRPr lang="en-US"/>
           </a:p>
@@ -2670,7 +2677,7 @@
           <a:p>
             <a:fld id="{C77DC1F8-EECA-4158-97AF-E98581FAD10B}" type="datetimeFigureOut">
               <a:rPr lang="en-US" smtClean="0"/>
-              <a:t>4/4/2025</a:t>
+              <a:t>4/10/2025</a:t>
             </a:fld>
             <a:endParaRPr lang="en-US"/>
           </a:p>
@@ -2911,7 +2918,7 @@
           <a:p>
             <a:fld id="{C77DC1F8-EECA-4158-97AF-E98581FAD10B}" type="datetimeFigureOut">
               <a:rPr lang="en-US" smtClean="0"/>
-              <a:t>4/4/2025</a:t>
+              <a:t>4/10/2025</a:t>
             </a:fld>
             <a:endParaRPr lang="en-US"/>
           </a:p>
@@ -3401,6 +3408,165 @@
 </p:sld>
 </file>
 
+<file path=ppt/slides/slide10.xml><?xml version="1.0" encoding="utf-8"?>
+<p:sld xmlns:a="http://schemas.openxmlformats.org/drawingml/2006/main" xmlns:r="http://schemas.openxmlformats.org/officeDocument/2006/relationships" xmlns:p="http://schemas.openxmlformats.org/presentationml/2006/main">
+  <p:cSld>
+    <p:spTree>
+      <p:nvGrpSpPr>
+        <p:cNvPr id="1" name=""/>
+        <p:cNvGrpSpPr/>
+        <p:nvPr/>
+      </p:nvGrpSpPr>
+      <p:grpSpPr>
+        <a:xfrm>
+          <a:off x="0" y="0"/>
+          <a:ext cx="0" cy="0"/>
+          <a:chOff x="0" y="0"/>
+          <a:chExt cx="0" cy="0"/>
+        </a:xfrm>
+      </p:grpSpPr>
+      <p:pic>
+        <p:nvPicPr>
+          <p:cNvPr id="5" name="Content Placeholder 4">
+            <a:extLst>
+              <a:ext uri="{FF2B5EF4-FFF2-40B4-BE49-F238E27FC236}">
+                <a16:creationId xmlns:a16="http://schemas.microsoft.com/office/drawing/2014/main" id="{A6377482-B383-D7A1-E0EB-FF20C688EA24}"/>
+              </a:ext>
+            </a:extLst>
+          </p:cNvPr>
+          <p:cNvPicPr>
+            <a:picLocks noGrp="1" noChangeAspect="1"/>
+          </p:cNvPicPr>
+          <p:nvPr>
+            <p:ph idx="1"/>
+          </p:nvPr>
+        </p:nvPicPr>
+        <p:blipFill>
+          <a:blip r:embed="rId2"/>
+          <a:stretch>
+            <a:fillRect/>
+          </a:stretch>
+        </p:blipFill>
+        <p:spPr>
+          <a:xfrm>
+            <a:off x="5458880" y="0"/>
+            <a:ext cx="5675160" cy="3831246"/>
+          </a:xfrm>
+        </p:spPr>
+      </p:pic>
+      <p:pic>
+        <p:nvPicPr>
+          <p:cNvPr id="7" name="Picture 6">
+            <a:extLst>
+              <a:ext uri="{FF2B5EF4-FFF2-40B4-BE49-F238E27FC236}">
+                <a16:creationId xmlns:a16="http://schemas.microsoft.com/office/drawing/2014/main" id="{8AEE6295-2BB9-A3D5-8284-5537940EBA14}"/>
+              </a:ext>
+            </a:extLst>
+          </p:cNvPr>
+          <p:cNvPicPr>
+            <a:picLocks noChangeAspect="1"/>
+          </p:cNvPicPr>
+          <p:nvPr/>
+        </p:nvPicPr>
+        <p:blipFill>
+          <a:blip r:embed="rId3"/>
+          <a:stretch>
+            <a:fillRect/>
+          </a:stretch>
+        </p:blipFill>
+        <p:spPr>
+          <a:xfrm>
+            <a:off x="5458880" y="3429000"/>
+            <a:ext cx="6677025" cy="4029075"/>
+          </a:xfrm>
+          <a:prstGeom prst="rect">
+            <a:avLst/>
+          </a:prstGeom>
+        </p:spPr>
+      </p:pic>
+      <p:sp>
+        <p:nvSpPr>
+          <p:cNvPr id="8" name="TextBox 7">
+            <a:extLst>
+              <a:ext uri="{FF2B5EF4-FFF2-40B4-BE49-F238E27FC236}">
+                <a16:creationId xmlns:a16="http://schemas.microsoft.com/office/drawing/2014/main" id="{5499DE69-FC5C-16B9-98BC-1D75B2CD1DB0}"/>
+              </a:ext>
+            </a:extLst>
+          </p:cNvPr>
+          <p:cNvSpPr txBox="1"/>
+          <p:nvPr/>
+        </p:nvSpPr>
+        <p:spPr>
+          <a:xfrm>
+            <a:off x="192199" y="1160502"/>
+            <a:ext cx="5565947" cy="369332"/>
+          </a:xfrm>
+          <a:prstGeom prst="rect">
+            <a:avLst/>
+          </a:prstGeom>
+          <a:noFill/>
+        </p:spPr>
+        <p:txBody>
+          <a:bodyPr wrap="none" rtlCol="0">
+            <a:spAutoFit/>
+          </a:bodyPr>
+          <a:lstStyle/>
+          <a:p>
+            <a:r>
+              <a:rPr lang="en-US" dirty="0"/>
+              <a:t>5. Same as previous step, but angled perspective view </a:t>
+            </a:r>
+          </a:p>
+        </p:txBody>
+      </p:sp>
+      <p:sp>
+        <p:nvSpPr>
+          <p:cNvPr id="9" name="TextBox 8">
+            <a:extLst>
+              <a:ext uri="{FF2B5EF4-FFF2-40B4-BE49-F238E27FC236}">
+                <a16:creationId xmlns:a16="http://schemas.microsoft.com/office/drawing/2014/main" id="{7DA9DD89-40B4-3876-0582-89F4AC6BFFA6}"/>
+              </a:ext>
+            </a:extLst>
+          </p:cNvPr>
+          <p:cNvSpPr txBox="1"/>
+          <p:nvPr/>
+        </p:nvSpPr>
+        <p:spPr>
+          <a:xfrm>
+            <a:off x="192199" y="5211913"/>
+            <a:ext cx="5333028" cy="646331"/>
+          </a:xfrm>
+          <a:prstGeom prst="rect">
+            <a:avLst/>
+          </a:prstGeom>
+          <a:noFill/>
+        </p:spPr>
+        <p:txBody>
+          <a:bodyPr wrap="square" rtlCol="0">
+            <a:spAutoFit/>
+          </a:bodyPr>
+          <a:lstStyle/>
+          <a:p>
+            <a:r>
+              <a:rPr lang="en-US" dirty="0"/>
+              <a:t>6. Pull out orange device and pull up on sandwich complex to remove from jig</a:t>
+            </a:r>
+          </a:p>
+        </p:txBody>
+      </p:sp>
+    </p:spTree>
+    <p:extLst>
+      <p:ext uri="{BB962C8B-B14F-4D97-AF65-F5344CB8AC3E}">
+        <p14:creationId xmlns:p14="http://schemas.microsoft.com/office/powerpoint/2010/main" val="3253257116"/>
+      </p:ext>
+    </p:extLst>
+  </p:cSld>
+  <p:clrMapOvr>
+    <a:masterClrMapping/>
+  </p:clrMapOvr>
+</p:sld>
+</file>
+
 <file path=ppt/slides/slide2.xml><?xml version="1.0" encoding="utf-8"?>
 <p:sld xmlns:a="http://schemas.openxmlformats.org/drawingml/2006/main" xmlns:r="http://schemas.openxmlformats.org/officeDocument/2006/relationships" xmlns:p="http://schemas.openxmlformats.org/presentationml/2006/main">
   <p:cSld>
@@ -4888,37 +5054,150 @@
             <p:ph type="title"/>
           </p:nvPr>
         </p:nvSpPr>
-        <p:spPr/>
+        <p:spPr>
+          <a:xfrm>
+            <a:off x="244813" y="0"/>
+            <a:ext cx="10515600" cy="860560"/>
+          </a:xfrm>
+        </p:spPr>
         <p:txBody>
           <a:bodyPr/>
           <a:lstStyle/>
           <a:p>
-            <a:endParaRPr lang="en-US"/>
-          </a:p>
-        </p:txBody>
-      </p:sp>
-      <p:sp>
-        <p:nvSpPr>
-          <p:cNvPr id="3" name="Content Placeholder 2">
-            <a:extLst>
-              <a:ext uri="{FF2B5EF4-FFF2-40B4-BE49-F238E27FC236}">
-                <a16:creationId xmlns:a16="http://schemas.microsoft.com/office/drawing/2014/main" id="{B8870A7F-8024-2014-CBC9-42C1F34AC5E8}"/>
-              </a:ext>
-            </a:extLst>
-          </p:cNvPr>
-          <p:cNvSpPr>
-            <a:spLocks noGrp="1"/>
-          </p:cNvSpPr>
-          <p:nvPr>
-            <p:ph idx="1"/>
-          </p:nvPr>
-        </p:nvSpPr>
-        <p:spPr/>
-        <p:txBody>
-          <a:bodyPr/>
-          <a:lstStyle/>
-          <a:p>
-            <a:endParaRPr lang="en-US"/>
+            <a:r>
+              <a:rPr lang="en-US" dirty="0"/>
+              <a:t>Cassette style insert</a:t>
+            </a:r>
+          </a:p>
+        </p:txBody>
+      </p:sp>
+      <p:pic>
+        <p:nvPicPr>
+          <p:cNvPr id="5" name="Picture 4">
+            <a:extLst>
+              <a:ext uri="{FF2B5EF4-FFF2-40B4-BE49-F238E27FC236}">
+                <a16:creationId xmlns:a16="http://schemas.microsoft.com/office/drawing/2014/main" id="{9E24CF6F-9159-F073-01C8-0871232F03F1}"/>
+              </a:ext>
+            </a:extLst>
+          </p:cNvPr>
+          <p:cNvPicPr>
+            <a:picLocks noChangeAspect="1"/>
+          </p:cNvPicPr>
+          <p:nvPr/>
+        </p:nvPicPr>
+        <p:blipFill>
+          <a:blip r:embed="rId2"/>
+          <a:stretch>
+            <a:fillRect/>
+          </a:stretch>
+        </p:blipFill>
+        <p:spPr>
+          <a:xfrm>
+            <a:off x="244813" y="2227633"/>
+            <a:ext cx="4899405" cy="4552545"/>
+          </a:xfrm>
+          <a:prstGeom prst="rect">
+            <a:avLst/>
+          </a:prstGeom>
+        </p:spPr>
+      </p:pic>
+      <p:pic>
+        <p:nvPicPr>
+          <p:cNvPr id="7" name="Picture 6">
+            <a:extLst>
+              <a:ext uri="{FF2B5EF4-FFF2-40B4-BE49-F238E27FC236}">
+                <a16:creationId xmlns:a16="http://schemas.microsoft.com/office/drawing/2014/main" id="{A47E7D4E-C968-27BF-7D35-A02DBBDC79F9}"/>
+              </a:ext>
+            </a:extLst>
+          </p:cNvPr>
+          <p:cNvPicPr>
+            <a:picLocks noChangeAspect="1"/>
+          </p:cNvPicPr>
+          <p:nvPr/>
+        </p:nvPicPr>
+        <p:blipFill>
+          <a:blip r:embed="rId3"/>
+          <a:stretch>
+            <a:fillRect/>
+          </a:stretch>
+        </p:blipFill>
+        <p:spPr>
+          <a:xfrm>
+            <a:off x="6199352" y="2227633"/>
+            <a:ext cx="4899405" cy="4650388"/>
+          </a:xfrm>
+          <a:prstGeom prst="rect">
+            <a:avLst/>
+          </a:prstGeom>
+        </p:spPr>
+      </p:pic>
+      <p:sp>
+        <p:nvSpPr>
+          <p:cNvPr id="8" name="TextBox 7">
+            <a:extLst>
+              <a:ext uri="{FF2B5EF4-FFF2-40B4-BE49-F238E27FC236}">
+                <a16:creationId xmlns:a16="http://schemas.microsoft.com/office/drawing/2014/main" id="{742AF658-575E-92A5-83F3-996ECB4C779B}"/>
+              </a:ext>
+            </a:extLst>
+          </p:cNvPr>
+          <p:cNvSpPr txBox="1"/>
+          <p:nvPr/>
+        </p:nvSpPr>
+        <p:spPr>
+          <a:xfrm>
+            <a:off x="368621" y="860719"/>
+            <a:ext cx="4899405" cy="830997"/>
+          </a:xfrm>
+          <a:prstGeom prst="rect">
+            <a:avLst/>
+          </a:prstGeom>
+          <a:noFill/>
+        </p:spPr>
+        <p:txBody>
+          <a:bodyPr wrap="square" rtlCol="0">
+            <a:spAutoFit/>
+          </a:bodyPr>
+          <a:lstStyle/>
+          <a:p>
+            <a:r>
+              <a:rPr lang="en-US" sz="1600" dirty="0"/>
+              <a:t>1. Insert both yellow rail guide and the orange brace to hold the stainless steel plate in place and then start the pressure plate complex on the rails</a:t>
+            </a:r>
+          </a:p>
+        </p:txBody>
+      </p:sp>
+      <p:sp>
+        <p:nvSpPr>
+          <p:cNvPr id="9" name="TextBox 8">
+            <a:extLst>
+              <a:ext uri="{FF2B5EF4-FFF2-40B4-BE49-F238E27FC236}">
+                <a16:creationId xmlns:a16="http://schemas.microsoft.com/office/drawing/2014/main" id="{41C45361-3A2D-87C9-7FA1-4AE03C8F644F}"/>
+              </a:ext>
+            </a:extLst>
+          </p:cNvPr>
+          <p:cNvSpPr txBox="1"/>
+          <p:nvPr/>
+        </p:nvSpPr>
+        <p:spPr>
+          <a:xfrm>
+            <a:off x="6795361" y="895490"/>
+            <a:ext cx="4899405" cy="584775"/>
+          </a:xfrm>
+          <a:prstGeom prst="rect">
+            <a:avLst/>
+          </a:prstGeom>
+          <a:noFill/>
+        </p:spPr>
+        <p:txBody>
+          <a:bodyPr wrap="square" rtlCol="0">
+            <a:spAutoFit/>
+          </a:bodyPr>
+          <a:lstStyle/>
+          <a:p>
+            <a:r>
+              <a:rPr lang="en-US" sz="1600" dirty="0"/>
+              <a:t>2. Shift the pressure plate complex all the way to the end</a:t>
+            </a:r>
           </a:p>
         </p:txBody>
       </p:sp>
@@ -4926,6 +5205,309 @@
     <p:extLst>
       <p:ext uri="{BB962C8B-B14F-4D97-AF65-F5344CB8AC3E}">
         <p14:creationId xmlns:p14="http://schemas.microsoft.com/office/powerpoint/2010/main" val="4157939114"/>
+      </p:ext>
+    </p:extLst>
+  </p:cSld>
+  <p:clrMapOvr>
+    <a:masterClrMapping/>
+  </p:clrMapOvr>
+</p:sld>
+</file>
+
+<file path=ppt/slides/slide9.xml><?xml version="1.0" encoding="utf-8"?>
+<p:sld xmlns:a="http://schemas.openxmlformats.org/drawingml/2006/main" xmlns:r="http://schemas.openxmlformats.org/officeDocument/2006/relationships" xmlns:p="http://schemas.openxmlformats.org/presentationml/2006/main">
+  <p:cSld>
+    <p:spTree>
+      <p:nvGrpSpPr>
+        <p:cNvPr id="1" name=""/>
+        <p:cNvGrpSpPr/>
+        <p:nvPr/>
+      </p:nvGrpSpPr>
+      <p:grpSpPr>
+        <a:xfrm>
+          <a:off x="0" y="0"/>
+          <a:ext cx="0" cy="0"/>
+          <a:chOff x="0" y="0"/>
+          <a:chExt cx="0" cy="0"/>
+        </a:xfrm>
+      </p:grpSpPr>
+      <p:pic>
+        <p:nvPicPr>
+          <p:cNvPr id="5" name="Picture 4">
+            <a:extLst>
+              <a:ext uri="{FF2B5EF4-FFF2-40B4-BE49-F238E27FC236}">
+                <a16:creationId xmlns:a16="http://schemas.microsoft.com/office/drawing/2014/main" id="{28CC838D-EC83-6A89-99E2-C7CA1FA2AD2A}"/>
+              </a:ext>
+            </a:extLst>
+          </p:cNvPr>
+          <p:cNvPicPr>
+            <a:picLocks noChangeAspect="1"/>
+          </p:cNvPicPr>
+          <p:nvPr/>
+        </p:nvPicPr>
+        <p:blipFill>
+          <a:blip r:embed="rId2"/>
+          <a:stretch>
+            <a:fillRect/>
+          </a:stretch>
+        </p:blipFill>
+        <p:spPr>
+          <a:xfrm>
+            <a:off x="6709214" y="2059487"/>
+            <a:ext cx="4459760" cy="3388569"/>
+          </a:xfrm>
+          <a:prstGeom prst="rect">
+            <a:avLst/>
+          </a:prstGeom>
+        </p:spPr>
+      </p:pic>
+      <p:pic>
+        <p:nvPicPr>
+          <p:cNvPr id="15" name="Picture 14">
+            <a:extLst>
+              <a:ext uri="{FF2B5EF4-FFF2-40B4-BE49-F238E27FC236}">
+                <a16:creationId xmlns:a16="http://schemas.microsoft.com/office/drawing/2014/main" id="{0433057A-20CF-CAB8-FB1F-3855A9D51EF4}"/>
+              </a:ext>
+            </a:extLst>
+          </p:cNvPr>
+          <p:cNvPicPr>
+            <a:picLocks noChangeAspect="1"/>
+          </p:cNvPicPr>
+          <p:nvPr/>
+        </p:nvPicPr>
+        <p:blipFill>
+          <a:blip r:embed="rId3"/>
+          <a:stretch>
+            <a:fillRect/>
+          </a:stretch>
+        </p:blipFill>
+        <p:spPr>
+          <a:xfrm>
+            <a:off x="294464" y="5009916"/>
+            <a:ext cx="6905625" cy="1781175"/>
+          </a:xfrm>
+          <a:prstGeom prst="rect">
+            <a:avLst/>
+          </a:prstGeom>
+        </p:spPr>
+      </p:pic>
+      <p:pic>
+        <p:nvPicPr>
+          <p:cNvPr id="17" name="Picture 16">
+            <a:extLst>
+              <a:ext uri="{FF2B5EF4-FFF2-40B4-BE49-F238E27FC236}">
+                <a16:creationId xmlns:a16="http://schemas.microsoft.com/office/drawing/2014/main" id="{BA01E661-188F-9F79-5B6E-65BE59B0518A}"/>
+              </a:ext>
+            </a:extLst>
+          </p:cNvPr>
+          <p:cNvPicPr>
+            <a:picLocks noChangeAspect="1"/>
+          </p:cNvPicPr>
+          <p:nvPr/>
+        </p:nvPicPr>
+        <p:blipFill>
+          <a:blip r:embed="rId4"/>
+          <a:stretch>
+            <a:fillRect/>
+          </a:stretch>
+        </p:blipFill>
+        <p:spPr>
+          <a:xfrm>
+            <a:off x="612370" y="1113883"/>
+            <a:ext cx="4870417" cy="1613879"/>
+          </a:xfrm>
+          <a:prstGeom prst="rect">
+            <a:avLst/>
+          </a:prstGeom>
+        </p:spPr>
+      </p:pic>
+      <p:sp>
+        <p:nvSpPr>
+          <p:cNvPr id="18" name="TextBox 17">
+            <a:extLst>
+              <a:ext uri="{FF2B5EF4-FFF2-40B4-BE49-F238E27FC236}">
+                <a16:creationId xmlns:a16="http://schemas.microsoft.com/office/drawing/2014/main" id="{6E15A7CD-4EC2-5E11-CCCC-C4184951EB99}"/>
+              </a:ext>
+            </a:extLst>
+          </p:cNvPr>
+          <p:cNvSpPr txBox="1"/>
+          <p:nvPr/>
+        </p:nvSpPr>
+        <p:spPr>
+          <a:xfrm>
+            <a:off x="612370" y="252919"/>
+            <a:ext cx="3764749" cy="338554"/>
+          </a:xfrm>
+          <a:prstGeom prst="rect">
+            <a:avLst/>
+          </a:prstGeom>
+          <a:noFill/>
+        </p:spPr>
+        <p:txBody>
+          <a:bodyPr wrap="none" rtlCol="0">
+            <a:spAutoFit/>
+          </a:bodyPr>
+          <a:lstStyle/>
+          <a:p>
+            <a:r>
+              <a:rPr lang="en-US" sz="1600" dirty="0"/>
+              <a:t>3. (front view) start fluid flow (not shown)</a:t>
+            </a:r>
+          </a:p>
+        </p:txBody>
+      </p:sp>
+      <p:sp>
+        <p:nvSpPr>
+          <p:cNvPr id="19" name="TextBox 18">
+            <a:extLst>
+              <a:ext uri="{FF2B5EF4-FFF2-40B4-BE49-F238E27FC236}">
+                <a16:creationId xmlns:a16="http://schemas.microsoft.com/office/drawing/2014/main" id="{DBA34490-5F31-A3EB-E9EC-ADACCC306E8F}"/>
+              </a:ext>
+            </a:extLst>
+          </p:cNvPr>
+          <p:cNvSpPr txBox="1"/>
+          <p:nvPr/>
+        </p:nvSpPr>
+        <p:spPr>
+          <a:xfrm>
+            <a:off x="7056719" y="1240667"/>
+            <a:ext cx="4291046" cy="338554"/>
+          </a:xfrm>
+          <a:prstGeom prst="rect">
+            <a:avLst/>
+          </a:prstGeom>
+          <a:noFill/>
+        </p:spPr>
+        <p:txBody>
+          <a:bodyPr wrap="none" rtlCol="0">
+            <a:spAutoFit/>
+          </a:bodyPr>
+          <a:lstStyle/>
+          <a:p>
+            <a:r>
+              <a:rPr lang="en-US" sz="1600" dirty="0"/>
+              <a:t>4. While flowing, pull yellow guide rail track out</a:t>
+            </a:r>
+          </a:p>
+        </p:txBody>
+      </p:sp>
+      <p:sp>
+        <p:nvSpPr>
+          <p:cNvPr id="20" name="TextBox 19">
+            <a:extLst>
+              <a:ext uri="{FF2B5EF4-FFF2-40B4-BE49-F238E27FC236}">
+                <a16:creationId xmlns:a16="http://schemas.microsoft.com/office/drawing/2014/main" id="{5A235356-403E-5054-C4B4-3EEBDED91BD7}"/>
+              </a:ext>
+            </a:extLst>
+          </p:cNvPr>
+          <p:cNvSpPr txBox="1"/>
+          <p:nvPr/>
+        </p:nvSpPr>
+        <p:spPr>
+          <a:xfrm>
+            <a:off x="567093" y="4671362"/>
+            <a:ext cx="5869492" cy="338554"/>
+          </a:xfrm>
+          <a:prstGeom prst="rect">
+            <a:avLst/>
+          </a:prstGeom>
+          <a:noFill/>
+        </p:spPr>
+        <p:txBody>
+          <a:bodyPr wrap="none" rtlCol="0">
+            <a:spAutoFit/>
+          </a:bodyPr>
+          <a:lstStyle/>
+          <a:p>
+            <a:r>
+              <a:rPr lang="en-US" sz="1600" dirty="0"/>
+              <a:t>5. (front view) pressure plate complex and slide will seal together</a:t>
+            </a:r>
+          </a:p>
+        </p:txBody>
+      </p:sp>
+      <p:cxnSp>
+        <p:nvCxnSpPr>
+          <p:cNvPr id="22" name="Straight Arrow Connector 21">
+            <a:extLst>
+              <a:ext uri="{FF2B5EF4-FFF2-40B4-BE49-F238E27FC236}">
+                <a16:creationId xmlns:a16="http://schemas.microsoft.com/office/drawing/2014/main" id="{0CAD9A04-F6A3-BD7C-6193-2E16F3F68651}"/>
+              </a:ext>
+            </a:extLst>
+          </p:cNvPr>
+          <p:cNvCxnSpPr/>
+          <p:nvPr/>
+        </p:nvCxnSpPr>
+        <p:spPr>
+          <a:xfrm>
+            <a:off x="5632315" y="2237362"/>
+            <a:ext cx="1264596" cy="914400"/>
+          </a:xfrm>
+          <a:prstGeom prst="straightConnector1">
+            <a:avLst/>
+          </a:prstGeom>
+          <a:ln>
+            <a:tailEnd type="triangle"/>
+          </a:ln>
+        </p:spPr>
+        <p:style>
+          <a:lnRef idx="2">
+            <a:schemeClr val="accent1"/>
+          </a:lnRef>
+          <a:fillRef idx="0">
+            <a:schemeClr val="accent1"/>
+          </a:fillRef>
+          <a:effectRef idx="1">
+            <a:schemeClr val="accent1"/>
+          </a:effectRef>
+          <a:fontRef idx="minor">
+            <a:schemeClr val="tx1"/>
+          </a:fontRef>
+        </p:style>
+      </p:cxnSp>
+      <p:cxnSp>
+        <p:nvCxnSpPr>
+          <p:cNvPr id="24" name="Straight Arrow Connector 23">
+            <a:extLst>
+              <a:ext uri="{FF2B5EF4-FFF2-40B4-BE49-F238E27FC236}">
+                <a16:creationId xmlns:a16="http://schemas.microsoft.com/office/drawing/2014/main" id="{6C06A0F1-B6DA-DA80-E1C4-D3152A128E92}"/>
+              </a:ext>
+            </a:extLst>
+          </p:cNvPr>
+          <p:cNvCxnSpPr/>
+          <p:nvPr/>
+        </p:nvCxnSpPr>
+        <p:spPr>
+          <a:xfrm flipH="1">
+            <a:off x="4066162" y="3429000"/>
+            <a:ext cx="2568102" cy="1055451"/>
+          </a:xfrm>
+          <a:prstGeom prst="straightConnector1">
+            <a:avLst/>
+          </a:prstGeom>
+          <a:ln>
+            <a:tailEnd type="triangle"/>
+          </a:ln>
+        </p:spPr>
+        <p:style>
+          <a:lnRef idx="2">
+            <a:schemeClr val="accent1"/>
+          </a:lnRef>
+          <a:fillRef idx="0">
+            <a:schemeClr val="accent1"/>
+          </a:fillRef>
+          <a:effectRef idx="1">
+            <a:schemeClr val="accent1"/>
+          </a:effectRef>
+          <a:fontRef idx="minor">
+            <a:schemeClr val="tx1"/>
+          </a:fontRef>
+        </p:style>
+      </p:cxnSp>
+    </p:spTree>
+    <p:extLst>
+      <p:ext uri="{BB962C8B-B14F-4D97-AF65-F5344CB8AC3E}">
+        <p14:creationId xmlns:p14="http://schemas.microsoft.com/office/powerpoint/2010/main" val="170449163"/>
       </p:ext>
     </p:extLst>
   </p:cSld>

--- a/Presentation/Commercial Prototype Production.pptx
+++ b/Presentation/Commercial Prototype Production.pptx
@@ -15,6 +15,8 @@
     <p:sldId id="263" r:id="rId9"/>
     <p:sldId id="264" r:id="rId10"/>
     <p:sldId id="265" r:id="rId11"/>
+    <p:sldId id="266" r:id="rId12"/>
+    <p:sldId id="267" r:id="rId13"/>
   </p:sldIdLst>
   <p:sldSz cx="12192000" cy="6858000"/>
   <p:notesSz cx="6858000" cy="9144000"/>
@@ -268,7 +270,7 @@
           <a:p>
             <a:fld id="{C77DC1F8-EECA-4158-97AF-E98581FAD10B}" type="datetimeFigureOut">
               <a:rPr lang="en-US" smtClean="0"/>
-              <a:t>4/10/2025</a:t>
+              <a:t>4/16/2025</a:t>
             </a:fld>
             <a:endParaRPr lang="en-US"/>
           </a:p>
@@ -466,7 +468,7 @@
           <a:p>
             <a:fld id="{C77DC1F8-EECA-4158-97AF-E98581FAD10B}" type="datetimeFigureOut">
               <a:rPr lang="en-US" smtClean="0"/>
-              <a:t>4/10/2025</a:t>
+              <a:t>4/16/2025</a:t>
             </a:fld>
             <a:endParaRPr lang="en-US"/>
           </a:p>
@@ -674,7 +676,7 @@
           <a:p>
             <a:fld id="{C77DC1F8-EECA-4158-97AF-E98581FAD10B}" type="datetimeFigureOut">
               <a:rPr lang="en-US" smtClean="0"/>
-              <a:t>4/10/2025</a:t>
+              <a:t>4/16/2025</a:t>
             </a:fld>
             <a:endParaRPr lang="en-US"/>
           </a:p>
@@ -872,7 +874,7 @@
           <a:p>
             <a:fld id="{C77DC1F8-EECA-4158-97AF-E98581FAD10B}" type="datetimeFigureOut">
               <a:rPr lang="en-US" smtClean="0"/>
-              <a:t>4/10/2025</a:t>
+              <a:t>4/16/2025</a:t>
             </a:fld>
             <a:endParaRPr lang="en-US"/>
           </a:p>
@@ -1147,7 +1149,7 @@
           <a:p>
             <a:fld id="{C77DC1F8-EECA-4158-97AF-E98581FAD10B}" type="datetimeFigureOut">
               <a:rPr lang="en-US" smtClean="0"/>
-              <a:t>4/10/2025</a:t>
+              <a:t>4/16/2025</a:t>
             </a:fld>
             <a:endParaRPr lang="en-US"/>
           </a:p>
@@ -1412,7 +1414,7 @@
           <a:p>
             <a:fld id="{C77DC1F8-EECA-4158-97AF-E98581FAD10B}" type="datetimeFigureOut">
               <a:rPr lang="en-US" smtClean="0"/>
-              <a:t>4/10/2025</a:t>
+              <a:t>4/16/2025</a:t>
             </a:fld>
             <a:endParaRPr lang="en-US"/>
           </a:p>
@@ -1824,7 +1826,7 @@
           <a:p>
             <a:fld id="{C77DC1F8-EECA-4158-97AF-E98581FAD10B}" type="datetimeFigureOut">
               <a:rPr lang="en-US" smtClean="0"/>
-              <a:t>4/10/2025</a:t>
+              <a:t>4/16/2025</a:t>
             </a:fld>
             <a:endParaRPr lang="en-US"/>
           </a:p>
@@ -1965,7 +1967,7 @@
           <a:p>
             <a:fld id="{C77DC1F8-EECA-4158-97AF-E98581FAD10B}" type="datetimeFigureOut">
               <a:rPr lang="en-US" smtClean="0"/>
-              <a:t>4/10/2025</a:t>
+              <a:t>4/16/2025</a:t>
             </a:fld>
             <a:endParaRPr lang="en-US"/>
           </a:p>
@@ -2078,7 +2080,7 @@
           <a:p>
             <a:fld id="{C77DC1F8-EECA-4158-97AF-E98581FAD10B}" type="datetimeFigureOut">
               <a:rPr lang="en-US" smtClean="0"/>
-              <a:t>4/10/2025</a:t>
+              <a:t>4/16/2025</a:t>
             </a:fld>
             <a:endParaRPr lang="en-US"/>
           </a:p>
@@ -2389,7 +2391,7 @@
           <a:p>
             <a:fld id="{C77DC1F8-EECA-4158-97AF-E98581FAD10B}" type="datetimeFigureOut">
               <a:rPr lang="en-US" smtClean="0"/>
-              <a:t>4/10/2025</a:t>
+              <a:t>4/16/2025</a:t>
             </a:fld>
             <a:endParaRPr lang="en-US"/>
           </a:p>
@@ -2677,7 +2679,7 @@
           <a:p>
             <a:fld id="{C77DC1F8-EECA-4158-97AF-E98581FAD10B}" type="datetimeFigureOut">
               <a:rPr lang="en-US" smtClean="0"/>
-              <a:t>4/10/2025</a:t>
+              <a:t>4/16/2025</a:t>
             </a:fld>
             <a:endParaRPr lang="en-US"/>
           </a:p>
@@ -2918,7 +2920,7 @@
           <a:p>
             <a:fld id="{C77DC1F8-EECA-4158-97AF-E98581FAD10B}" type="datetimeFigureOut">
               <a:rPr lang="en-US" smtClean="0"/>
-              <a:t>4/10/2025</a:t>
+              <a:t>4/16/2025</a:t>
             </a:fld>
             <a:endParaRPr lang="en-US"/>
           </a:p>
@@ -3558,6 +3560,266 @@
     <p:extLst>
       <p:ext uri="{BB962C8B-B14F-4D97-AF65-F5344CB8AC3E}">
         <p14:creationId xmlns:p14="http://schemas.microsoft.com/office/powerpoint/2010/main" val="3253257116"/>
+      </p:ext>
+    </p:extLst>
+  </p:cSld>
+  <p:clrMapOvr>
+    <a:masterClrMapping/>
+  </p:clrMapOvr>
+</p:sld>
+</file>
+
+<file path=ppt/slides/slide11.xml><?xml version="1.0" encoding="utf-8"?>
+<p:sld xmlns:a="http://schemas.openxmlformats.org/drawingml/2006/main" xmlns:r="http://schemas.openxmlformats.org/officeDocument/2006/relationships" xmlns:p="http://schemas.openxmlformats.org/presentationml/2006/main">
+  <p:cSld>
+    <p:spTree>
+      <p:nvGrpSpPr>
+        <p:cNvPr id="1" name=""/>
+        <p:cNvGrpSpPr/>
+        <p:nvPr/>
+      </p:nvGrpSpPr>
+      <p:grpSpPr>
+        <a:xfrm>
+          <a:off x="0" y="0"/>
+          <a:ext cx="0" cy="0"/>
+          <a:chOff x="0" y="0"/>
+          <a:chExt cx="0" cy="0"/>
+        </a:xfrm>
+      </p:grpSpPr>
+      <p:sp>
+        <p:nvSpPr>
+          <p:cNvPr id="2" name="Title 1">
+            <a:extLst>
+              <a:ext uri="{FF2B5EF4-FFF2-40B4-BE49-F238E27FC236}">
+                <a16:creationId xmlns:a16="http://schemas.microsoft.com/office/drawing/2014/main" id="{0FEA7310-ECDE-F95F-8218-951992DB98C5}"/>
+              </a:ext>
+            </a:extLst>
+          </p:cNvPr>
+          <p:cNvSpPr>
+            <a:spLocks noGrp="1"/>
+          </p:cNvSpPr>
+          <p:nvPr>
+            <p:ph type="title"/>
+          </p:nvPr>
+        </p:nvSpPr>
+        <p:spPr>
+          <a:xfrm>
+            <a:off x="838200" y="365126"/>
+            <a:ext cx="10515600" cy="678584"/>
+          </a:xfrm>
+        </p:spPr>
+        <p:txBody>
+          <a:bodyPr>
+            <a:normAutofit fontScale="90000"/>
+          </a:bodyPr>
+          <a:lstStyle/>
+          <a:p>
+            <a:r>
+              <a:rPr lang="en-US" dirty="0"/>
+              <a:t>Threads</a:t>
+            </a:r>
+          </a:p>
+        </p:txBody>
+      </p:sp>
+      <p:sp>
+        <p:nvSpPr>
+          <p:cNvPr id="3" name="Content Placeholder 2">
+            <a:extLst>
+              <a:ext uri="{FF2B5EF4-FFF2-40B4-BE49-F238E27FC236}">
+                <a16:creationId xmlns:a16="http://schemas.microsoft.com/office/drawing/2014/main" id="{49D00070-ABA2-10F1-5A8A-8D8153444FE2}"/>
+              </a:ext>
+            </a:extLst>
+          </p:cNvPr>
+          <p:cNvSpPr>
+            <a:spLocks noGrp="1"/>
+          </p:cNvSpPr>
+          <p:nvPr>
+            <p:ph idx="1"/>
+          </p:nvPr>
+        </p:nvSpPr>
+        <p:spPr>
+          <a:xfrm>
+            <a:off x="385618" y="1400752"/>
+            <a:ext cx="4805218" cy="4351338"/>
+          </a:xfrm>
+        </p:spPr>
+        <p:txBody>
+          <a:bodyPr/>
+          <a:lstStyle/>
+          <a:p>
+            <a:r>
+              <a:rPr lang="en-US" dirty="0" err="1"/>
+              <a:t>Microfludic</a:t>
+            </a:r>
+            <a:r>
+              <a:rPr lang="en-US" dirty="0"/>
+              <a:t> connectors are ¼ inch-28 connectors. This is 1/4inch, fine UNF threads (28 threads per inch)</a:t>
+            </a:r>
+          </a:p>
+        </p:txBody>
+      </p:sp>
+      <p:pic>
+        <p:nvPicPr>
+          <p:cNvPr id="5" name="Picture 4">
+            <a:extLst>
+              <a:ext uri="{FF2B5EF4-FFF2-40B4-BE49-F238E27FC236}">
+                <a16:creationId xmlns:a16="http://schemas.microsoft.com/office/drawing/2014/main" id="{FCC8B995-ECB6-8673-8B65-384A5E57761C}"/>
+              </a:ext>
+            </a:extLst>
+          </p:cNvPr>
+          <p:cNvPicPr>
+            <a:picLocks noChangeAspect="1"/>
+          </p:cNvPicPr>
+          <p:nvPr/>
+        </p:nvPicPr>
+        <p:blipFill>
+          <a:blip r:embed="rId2"/>
+          <a:stretch>
+            <a:fillRect/>
+          </a:stretch>
+        </p:blipFill>
+        <p:spPr>
+          <a:xfrm>
+            <a:off x="6758237" y="681037"/>
+            <a:ext cx="5131430" cy="5158509"/>
+          </a:xfrm>
+          <a:prstGeom prst="rect">
+            <a:avLst/>
+          </a:prstGeom>
+        </p:spPr>
+      </p:pic>
+    </p:spTree>
+    <p:extLst>
+      <p:ext uri="{BB962C8B-B14F-4D97-AF65-F5344CB8AC3E}">
+        <p14:creationId xmlns:p14="http://schemas.microsoft.com/office/powerpoint/2010/main" val="358459321"/>
+      </p:ext>
+    </p:extLst>
+  </p:cSld>
+  <p:clrMapOvr>
+    <a:masterClrMapping/>
+  </p:clrMapOvr>
+</p:sld>
+</file>
+
+<file path=ppt/slides/slide12.xml><?xml version="1.0" encoding="utf-8"?>
+<p:sld xmlns:a="http://schemas.openxmlformats.org/drawingml/2006/main" xmlns:r="http://schemas.openxmlformats.org/officeDocument/2006/relationships" xmlns:p="http://schemas.openxmlformats.org/presentationml/2006/main">
+  <p:cSld>
+    <p:spTree>
+      <p:nvGrpSpPr>
+        <p:cNvPr id="1" name=""/>
+        <p:cNvGrpSpPr/>
+        <p:nvPr/>
+      </p:nvGrpSpPr>
+      <p:grpSpPr>
+        <a:xfrm>
+          <a:off x="0" y="0"/>
+          <a:ext cx="0" cy="0"/>
+          <a:chOff x="0" y="0"/>
+          <a:chExt cx="0" cy="0"/>
+        </a:xfrm>
+      </p:grpSpPr>
+      <p:sp>
+        <p:nvSpPr>
+          <p:cNvPr id="2" name="Title 1">
+            <a:extLst>
+              <a:ext uri="{FF2B5EF4-FFF2-40B4-BE49-F238E27FC236}">
+                <a16:creationId xmlns:a16="http://schemas.microsoft.com/office/drawing/2014/main" id="{CDC850E7-9485-1F70-ECD1-441B2A7A654A}"/>
+              </a:ext>
+            </a:extLst>
+          </p:cNvPr>
+          <p:cNvSpPr>
+            <a:spLocks noGrp="1"/>
+          </p:cNvSpPr>
+          <p:nvPr>
+            <p:ph type="title"/>
+          </p:nvPr>
+        </p:nvSpPr>
+        <p:spPr>
+          <a:xfrm>
+            <a:off x="838200" y="365125"/>
+            <a:ext cx="10515600" cy="798657"/>
+          </a:xfrm>
+        </p:spPr>
+        <p:txBody>
+          <a:bodyPr/>
+          <a:lstStyle/>
+          <a:p>
+            <a:r>
+              <a:rPr lang="en-US" dirty="0"/>
+              <a:t>Unified Slide Design</a:t>
+            </a:r>
+          </a:p>
+        </p:txBody>
+      </p:sp>
+      <p:sp>
+        <p:nvSpPr>
+          <p:cNvPr id="3" name="Content Placeholder 2">
+            <a:extLst>
+              <a:ext uri="{FF2B5EF4-FFF2-40B4-BE49-F238E27FC236}">
+                <a16:creationId xmlns:a16="http://schemas.microsoft.com/office/drawing/2014/main" id="{054C5D2F-F0A1-9647-A90A-F79731580E1C}"/>
+              </a:ext>
+            </a:extLst>
+          </p:cNvPr>
+          <p:cNvSpPr>
+            <a:spLocks noGrp="1"/>
+          </p:cNvSpPr>
+          <p:nvPr>
+            <p:ph idx="1"/>
+          </p:nvPr>
+        </p:nvSpPr>
+        <p:spPr>
+          <a:xfrm>
+            <a:off x="912091" y="2041237"/>
+            <a:ext cx="3004127" cy="3203731"/>
+          </a:xfrm>
+        </p:spPr>
+        <p:txBody>
+          <a:bodyPr>
+            <a:normAutofit/>
+          </a:bodyPr>
+          <a:lstStyle/>
+          <a:p>
+            <a:r>
+              <a:rPr lang="en-US" sz="2000" dirty="0"/>
+              <a:t>Merged the two slides into one. This contains both the rail slides and a built-in spacer to pin the slide/SS plate down and maintain a gap between the fluidic device and slide. </a:t>
+            </a:r>
+          </a:p>
+        </p:txBody>
+      </p:sp>
+      <p:pic>
+        <p:nvPicPr>
+          <p:cNvPr id="5" name="Picture 4">
+            <a:extLst>
+              <a:ext uri="{FF2B5EF4-FFF2-40B4-BE49-F238E27FC236}">
+                <a16:creationId xmlns:a16="http://schemas.microsoft.com/office/drawing/2014/main" id="{5D495543-73F2-F236-7B9B-D061F264D5BD}"/>
+              </a:ext>
+            </a:extLst>
+          </p:cNvPr>
+          <p:cNvPicPr>
+            <a:picLocks noChangeAspect="1"/>
+          </p:cNvPicPr>
+          <p:nvPr/>
+        </p:nvPicPr>
+        <p:blipFill>
+          <a:blip r:embed="rId2"/>
+          <a:stretch>
+            <a:fillRect/>
+          </a:stretch>
+        </p:blipFill>
+        <p:spPr>
+          <a:xfrm>
+            <a:off x="4401333" y="1918854"/>
+            <a:ext cx="7414048" cy="3020291"/>
+          </a:xfrm>
+          <a:prstGeom prst="rect">
+            <a:avLst/>
+          </a:prstGeom>
+        </p:spPr>
+      </p:pic>
+    </p:spTree>
+    <p:extLst>
+      <p:ext uri="{BB962C8B-B14F-4D97-AF65-F5344CB8AC3E}">
+        <p14:creationId xmlns:p14="http://schemas.microsoft.com/office/powerpoint/2010/main" val="3434924347"/>
       </p:ext>
     </p:extLst>
   </p:cSld>
